--- a/Referat_BWP_KG_eugen.pptx
+++ b/Referat_BWP_KG_eugen.pptx
@@ -12268,7 +12268,7 @@
         <p:spPr>
           <a:xfrm>
             <a:off x="0" y="4824360"/>
-            <a:ext cx="9142200" cy="317160"/>
+            <a:ext cx="9141840" cy="316800"/>
           </a:xfrm>
           <a:prstGeom prst="rect">
             <a:avLst/>
@@ -12296,7 +12296,7 @@
         <p:spPr>
           <a:xfrm>
             <a:off x="8714160" y="4897080"/>
-            <a:ext cx="190080" cy="190080"/>
+            <a:ext cx="189720" cy="189720"/>
           </a:xfrm>
           <a:prstGeom prst="ellipse">
             <a:avLst/>
@@ -12324,7 +12324,7 @@
                 <a:spcPct val="100000"/>
               </a:lnSpc>
             </a:pPr>
-            <a:fld id="{2984C54B-8416-4104-BBC1-96B4D1F8AA5F}" type="slidenum">
+            <a:fld id="{0339ECFD-7FD3-427F-A79D-242B2AF9F116}" type="slidenum">
               <a:rPr b="0" lang="de-DE" sz="680" spc="-1" strike="noStrike">
                 <a:solidFill>
                   <a:srgbClr val="02d35f"/>
@@ -12353,7 +12353,7 @@
         <p:spPr>
           <a:xfrm>
             <a:off x="0" y="0"/>
-            <a:ext cx="9142200" cy="5141520"/>
+            <a:ext cx="9141840" cy="5141160"/>
           </a:xfrm>
           <a:prstGeom prst="rect">
             <a:avLst/>
@@ -12376,7 +12376,7 @@
         <p:spPr>
           <a:xfrm>
             <a:off x="7395120" y="486360"/>
-            <a:ext cx="875520" cy="531360"/>
+            <a:ext cx="875160" cy="531000"/>
           </a:xfrm>
           <a:prstGeom prst="rect">
             <a:avLst/>
@@ -12435,7 +12435,7 @@
         <p:spPr>
           <a:xfrm>
             <a:off x="457200" y="1203480"/>
-            <a:ext cx="8229240" cy="2982960"/>
+            <a:ext cx="8228880" cy="2982600"/>
           </a:xfrm>
           <a:prstGeom prst="rect">
             <a:avLst/>
@@ -12458,12 +12458,12 @@
               <a:buChar char=""/>
             </a:pPr>
             <a:r>
-              <a:rPr b="0" lang="de-DE" sz="3200" spc="-1" strike="noStrike">
+              <a:rPr b="0" lang="de-DE" sz="1800" spc="-1" strike="noStrike">
                 <a:latin typeface="Arial"/>
               </a:rPr>
               <a:t>Click to edit the outline text format</a:t>
             </a:r>
-            <a:endParaRPr b="0" lang="de-DE" sz="3200" spc="-1" strike="noStrike">
+            <a:endParaRPr b="0" lang="de-DE" sz="1800" spc="-1" strike="noStrike">
               <a:latin typeface="Arial"/>
             </a:endParaRPr>
           </a:p>
@@ -12480,12 +12480,12 @@
               <a:buChar char=""/>
             </a:pPr>
             <a:r>
-              <a:rPr b="0" lang="de-DE" sz="2800" spc="-1" strike="noStrike">
+              <a:rPr b="0" lang="de-DE" sz="1800" spc="-1" strike="noStrike">
                 <a:latin typeface="Arial"/>
               </a:rPr>
               <a:t>Second Outline Level</a:t>
             </a:r>
-            <a:endParaRPr b="0" lang="de-DE" sz="2800" spc="-1" strike="noStrike">
+            <a:endParaRPr b="0" lang="de-DE" sz="1800" spc="-1" strike="noStrike">
               <a:latin typeface="Arial"/>
             </a:endParaRPr>
           </a:p>
@@ -12502,12 +12502,12 @@
               <a:buChar char=""/>
             </a:pPr>
             <a:r>
-              <a:rPr b="0" lang="de-DE" sz="2400" spc="-1" strike="noStrike">
+              <a:rPr b="0" lang="de-DE" sz="1800" spc="-1" strike="noStrike">
                 <a:latin typeface="Arial"/>
               </a:rPr>
               <a:t>Third Outline Level</a:t>
             </a:r>
-            <a:endParaRPr b="0" lang="de-DE" sz="2400" spc="-1" strike="noStrike">
+            <a:endParaRPr b="0" lang="de-DE" sz="1800" spc="-1" strike="noStrike">
               <a:latin typeface="Arial"/>
             </a:endParaRPr>
           </a:p>
@@ -12524,12 +12524,12 @@
               <a:buChar char=""/>
             </a:pPr>
             <a:r>
-              <a:rPr b="0" lang="de-DE" sz="2000" spc="-1" strike="noStrike">
+              <a:rPr b="0" lang="de-DE" sz="1800" spc="-1" strike="noStrike">
                 <a:latin typeface="Arial"/>
               </a:rPr>
               <a:t>Fourth Outline Level</a:t>
             </a:r>
-            <a:endParaRPr b="0" lang="de-DE" sz="2000" spc="-1" strike="noStrike">
+            <a:endParaRPr b="0" lang="de-DE" sz="1800" spc="-1" strike="noStrike">
               <a:latin typeface="Arial"/>
             </a:endParaRPr>
           </a:p>
@@ -12546,12 +12546,12 @@
               <a:buChar char=""/>
             </a:pPr>
             <a:r>
-              <a:rPr b="0" lang="de-DE" sz="2000" spc="-1" strike="noStrike">
+              <a:rPr b="0" lang="de-DE" sz="1800" spc="-1" strike="noStrike">
                 <a:latin typeface="Arial"/>
               </a:rPr>
               <a:t>Fifth Outline Level</a:t>
             </a:r>
-            <a:endParaRPr b="0" lang="de-DE" sz="2000" spc="-1" strike="noStrike">
+            <a:endParaRPr b="0" lang="de-DE" sz="1800" spc="-1" strike="noStrike">
               <a:latin typeface="Arial"/>
             </a:endParaRPr>
           </a:p>
@@ -12568,12 +12568,12 @@
               <a:buChar char=""/>
             </a:pPr>
             <a:r>
-              <a:rPr b="0" lang="de-DE" sz="2000" spc="-1" strike="noStrike">
+              <a:rPr b="0" lang="de-DE" sz="1800" spc="-1" strike="noStrike">
                 <a:latin typeface="Arial"/>
               </a:rPr>
               <a:t>Sixth Outline Level</a:t>
             </a:r>
-            <a:endParaRPr b="0" lang="de-DE" sz="2000" spc="-1" strike="noStrike">
+            <a:endParaRPr b="0" lang="de-DE" sz="1800" spc="-1" strike="noStrike">
               <a:latin typeface="Arial"/>
             </a:endParaRPr>
           </a:p>
@@ -12590,12 +12590,12 @@
               <a:buChar char=""/>
             </a:pPr>
             <a:r>
-              <a:rPr b="0" lang="de-DE" sz="2000" spc="-1" strike="noStrike">
+              <a:rPr b="0" lang="de-DE" sz="1800" spc="-1" strike="noStrike">
                 <a:latin typeface="Arial"/>
               </a:rPr>
               <a:t>Seventh Outline Level</a:t>
             </a:r>
-            <a:endParaRPr b="0" lang="de-DE" sz="2000" spc="-1" strike="noStrike">
+            <a:endParaRPr b="0" lang="de-DE" sz="1800" spc="-1" strike="noStrike">
               <a:latin typeface="Arial"/>
             </a:endParaRPr>
           </a:p>
@@ -12654,7 +12654,7 @@
         <p:spPr>
           <a:xfrm>
             <a:off x="0" y="4824360"/>
-            <a:ext cx="9142200" cy="317160"/>
+            <a:ext cx="9141840" cy="316800"/>
           </a:xfrm>
           <a:prstGeom prst="rect">
             <a:avLst/>
@@ -12682,7 +12682,7 @@
         <p:spPr>
           <a:xfrm>
             <a:off x="8714160" y="4897080"/>
-            <a:ext cx="190080" cy="190080"/>
+            <a:ext cx="189720" cy="189720"/>
           </a:xfrm>
           <a:prstGeom prst="ellipse">
             <a:avLst/>
@@ -12710,7 +12710,7 @@
                 <a:spcPct val="100000"/>
               </a:lnSpc>
             </a:pPr>
-            <a:fld id="{F5455832-15DE-4F46-B41F-B3F575EE7111}" type="slidenum">
+            <a:fld id="{B46A60CE-61C7-48CE-8FC0-62FCB3790504}" type="slidenum">
               <a:rPr b="0" lang="de-DE" sz="680" spc="-1" strike="noStrike">
                 <a:solidFill>
                   <a:srgbClr val="02d35f"/>
@@ -12995,7 +12995,7 @@
         <p:spPr>
           <a:xfrm>
             <a:off x="0" y="4824360"/>
-            <a:ext cx="9142200" cy="317160"/>
+            <a:ext cx="9141840" cy="316800"/>
           </a:xfrm>
           <a:prstGeom prst="rect">
             <a:avLst/>
@@ -13023,7 +13023,7 @@
         <p:spPr>
           <a:xfrm>
             <a:off x="8714160" y="4897080"/>
-            <a:ext cx="190080" cy="190080"/>
+            <a:ext cx="189720" cy="189720"/>
           </a:xfrm>
           <a:prstGeom prst="ellipse">
             <a:avLst/>
@@ -13051,7 +13051,7 @@
                 <a:spcPct val="100000"/>
               </a:lnSpc>
             </a:pPr>
-            <a:fld id="{99CF6163-8B6A-47EE-AC72-893F22F99202}" type="slidenum">
+            <a:fld id="{7889056E-5405-4145-851C-41942A353EA3}" type="slidenum">
               <a:rPr b="0" lang="de-DE" sz="680" spc="-1" strike="noStrike">
                 <a:solidFill>
                   <a:srgbClr val="02d35f"/>
@@ -13514,7 +13514,7 @@
         <p:spPr>
           <a:xfrm>
             <a:off x="0" y="4824360"/>
-            <a:ext cx="9142200" cy="317160"/>
+            <a:ext cx="9141840" cy="316800"/>
           </a:xfrm>
           <a:prstGeom prst="rect">
             <a:avLst/>
@@ -13542,7 +13542,7 @@
         <p:spPr>
           <a:xfrm>
             <a:off x="8714160" y="4897080"/>
-            <a:ext cx="190080" cy="190080"/>
+            <a:ext cx="189720" cy="189720"/>
           </a:xfrm>
           <a:prstGeom prst="ellipse">
             <a:avLst/>
@@ -13570,7 +13570,7 @@
                 <a:spcPct val="100000"/>
               </a:lnSpc>
             </a:pPr>
-            <a:fld id="{5879CCEC-31A3-4881-B9A6-B7226F42429D}" type="slidenum">
+            <a:fld id="{D15D13D6-162D-4856-9A10-C4978B214B72}" type="slidenum">
               <a:rPr b="0" lang="de-DE" sz="680" spc="-1" strike="noStrike">
                 <a:solidFill>
                   <a:srgbClr val="02d35f"/>
@@ -13599,7 +13599,7 @@
         <p:spPr>
           <a:xfrm>
             <a:off x="457200" y="205200"/>
-            <a:ext cx="8228880" cy="858240"/>
+            <a:ext cx="8229240" cy="858600"/>
           </a:xfrm>
           <a:prstGeom prst="rect">
             <a:avLst/>
@@ -13610,13 +13610,14 @@
             <a:noAutofit/>
           </a:bodyPr>
           <a:p>
+            <a:pPr algn="ctr"/>
             <a:r>
-              <a:rPr b="0" lang="de-DE" sz="1800" spc="-1" strike="noStrike">
+              <a:rPr b="0" lang="de-DE" sz="4400" spc="-1" strike="noStrike">
                 <a:latin typeface="Arial"/>
               </a:rPr>
               <a:t>Click to edit the title text format</a:t>
             </a:r>
-            <a:endParaRPr b="0" lang="de-DE" sz="1800" spc="-1" strike="noStrike">
+            <a:endParaRPr b="0" lang="de-DE" sz="4400" spc="-1" strike="noStrike">
               <a:latin typeface="Arial"/>
             </a:endParaRPr>
           </a:p>
@@ -13635,7 +13636,7 @@
         <p:spPr>
           <a:xfrm>
             <a:off x="457200" y="1203480"/>
-            <a:ext cx="8228880" cy="2982600"/>
+            <a:ext cx="8229240" cy="2982960"/>
           </a:xfrm>
           <a:prstGeom prst="rect">
             <a:avLst/>
@@ -13658,12 +13659,12 @@
               <a:buChar char=""/>
             </a:pPr>
             <a:r>
-              <a:rPr b="0" lang="de-DE" sz="1800" spc="-1" strike="noStrike">
+              <a:rPr b="0" lang="de-DE" sz="3200" spc="-1" strike="noStrike">
                 <a:latin typeface="Arial"/>
               </a:rPr>
               <a:t>Click to edit the outline text format</a:t>
             </a:r>
-            <a:endParaRPr b="0" lang="de-DE" sz="1800" spc="-1" strike="noStrike">
+            <a:endParaRPr b="0" lang="de-DE" sz="3200" spc="-1" strike="noStrike">
               <a:latin typeface="Arial"/>
             </a:endParaRPr>
           </a:p>
@@ -13680,12 +13681,12 @@
               <a:buChar char=""/>
             </a:pPr>
             <a:r>
-              <a:rPr b="0" lang="de-DE" sz="1800" spc="-1" strike="noStrike">
+              <a:rPr b="0" lang="de-DE" sz="2800" spc="-1" strike="noStrike">
                 <a:latin typeface="Arial"/>
               </a:rPr>
               <a:t>Second Outline Level</a:t>
             </a:r>
-            <a:endParaRPr b="0" lang="de-DE" sz="1800" spc="-1" strike="noStrike">
+            <a:endParaRPr b="0" lang="de-DE" sz="2800" spc="-1" strike="noStrike">
               <a:latin typeface="Arial"/>
             </a:endParaRPr>
           </a:p>
@@ -13702,12 +13703,12 @@
               <a:buChar char=""/>
             </a:pPr>
             <a:r>
-              <a:rPr b="0" lang="de-DE" sz="1800" spc="-1" strike="noStrike">
+              <a:rPr b="0" lang="de-DE" sz="2400" spc="-1" strike="noStrike">
                 <a:latin typeface="Arial"/>
               </a:rPr>
               <a:t>Third Outline Level</a:t>
             </a:r>
-            <a:endParaRPr b="0" lang="de-DE" sz="1800" spc="-1" strike="noStrike">
+            <a:endParaRPr b="0" lang="de-DE" sz="2400" spc="-1" strike="noStrike">
               <a:latin typeface="Arial"/>
             </a:endParaRPr>
           </a:p>
@@ -13724,12 +13725,12 @@
               <a:buChar char=""/>
             </a:pPr>
             <a:r>
-              <a:rPr b="0" lang="de-DE" sz="1800" spc="-1" strike="noStrike">
+              <a:rPr b="0" lang="de-DE" sz="2000" spc="-1" strike="noStrike">
                 <a:latin typeface="Arial"/>
               </a:rPr>
               <a:t>Fourth Outline Level</a:t>
             </a:r>
-            <a:endParaRPr b="0" lang="de-DE" sz="1800" spc="-1" strike="noStrike">
+            <a:endParaRPr b="0" lang="de-DE" sz="2000" spc="-1" strike="noStrike">
               <a:latin typeface="Arial"/>
             </a:endParaRPr>
           </a:p>
@@ -13746,12 +13747,12 @@
               <a:buChar char=""/>
             </a:pPr>
             <a:r>
-              <a:rPr b="0" lang="de-DE" sz="1800" spc="-1" strike="noStrike">
+              <a:rPr b="0" lang="de-DE" sz="2000" spc="-1" strike="noStrike">
                 <a:latin typeface="Arial"/>
               </a:rPr>
               <a:t>Fifth Outline Level</a:t>
             </a:r>
-            <a:endParaRPr b="0" lang="de-DE" sz="1800" spc="-1" strike="noStrike">
+            <a:endParaRPr b="0" lang="de-DE" sz="2000" spc="-1" strike="noStrike">
               <a:latin typeface="Arial"/>
             </a:endParaRPr>
           </a:p>
@@ -13768,12 +13769,12 @@
               <a:buChar char=""/>
             </a:pPr>
             <a:r>
-              <a:rPr b="0" lang="de-DE" sz="1800" spc="-1" strike="noStrike">
+              <a:rPr b="0" lang="de-DE" sz="2000" spc="-1" strike="noStrike">
                 <a:latin typeface="Arial"/>
               </a:rPr>
               <a:t>Sixth Outline Level</a:t>
             </a:r>
-            <a:endParaRPr b="0" lang="de-DE" sz="1800" spc="-1" strike="noStrike">
+            <a:endParaRPr b="0" lang="de-DE" sz="2000" spc="-1" strike="noStrike">
               <a:latin typeface="Arial"/>
             </a:endParaRPr>
           </a:p>
@@ -13790,12 +13791,12 @@
               <a:buChar char=""/>
             </a:pPr>
             <a:r>
-              <a:rPr b="0" lang="de-DE" sz="1800" spc="-1" strike="noStrike">
+              <a:rPr b="0" lang="de-DE" sz="2000" spc="-1" strike="noStrike">
                 <a:latin typeface="Arial"/>
               </a:rPr>
               <a:t>Seventh Outline Level</a:t>
             </a:r>
-            <a:endParaRPr b="0" lang="de-DE" sz="1800" spc="-1" strike="noStrike">
+            <a:endParaRPr b="0" lang="de-DE" sz="2000" spc="-1" strike="noStrike">
               <a:latin typeface="Arial"/>
             </a:endParaRPr>
           </a:p>
@@ -13854,7 +13855,7 @@
         <p:spPr>
           <a:xfrm>
             <a:off x="0" y="4824360"/>
-            <a:ext cx="9142200" cy="317160"/>
+            <a:ext cx="9141840" cy="316800"/>
           </a:xfrm>
           <a:prstGeom prst="rect">
             <a:avLst/>
@@ -13882,7 +13883,7 @@
         <p:spPr>
           <a:xfrm>
             <a:off x="8714160" y="4897080"/>
-            <a:ext cx="190080" cy="190080"/>
+            <a:ext cx="189720" cy="189720"/>
           </a:xfrm>
           <a:prstGeom prst="ellipse">
             <a:avLst/>
@@ -13910,7 +13911,7 @@
                 <a:spcPct val="100000"/>
               </a:lnSpc>
             </a:pPr>
-            <a:fld id="{D8D91973-ECD8-4A93-BAF3-95A874C23D9F}" type="slidenum">
+            <a:fld id="{B396B7FF-F9E7-4F98-AD5A-5C069A7D6133}" type="slidenum">
               <a:rPr b="0" lang="de-DE" sz="680" spc="-1" strike="noStrike">
                 <a:solidFill>
                   <a:srgbClr val="02d35f"/>
@@ -14373,7 +14374,7 @@
         <p:spPr>
           <a:xfrm>
             <a:off x="0" y="4824360"/>
-            <a:ext cx="9142200" cy="317160"/>
+            <a:ext cx="9141840" cy="316800"/>
           </a:xfrm>
           <a:prstGeom prst="rect">
             <a:avLst/>
@@ -14401,7 +14402,7 @@
         <p:spPr>
           <a:xfrm>
             <a:off x="8714160" y="4897080"/>
-            <a:ext cx="190080" cy="190080"/>
+            <a:ext cx="189720" cy="189720"/>
           </a:xfrm>
           <a:prstGeom prst="ellipse">
             <a:avLst/>
@@ -14429,7 +14430,7 @@
                 <a:spcPct val="100000"/>
               </a:lnSpc>
             </a:pPr>
-            <a:fld id="{7FED4DBB-DFA4-4CE4-8FDE-14A624AFF3AA}" type="slidenum">
+            <a:fld id="{DCAEC73C-F2CB-4FDB-BD35-49986A2D7330}" type="slidenum">
               <a:rPr b="0" lang="de-DE" sz="680" spc="-1" strike="noStrike">
                 <a:solidFill>
                   <a:srgbClr val="02d35f"/>
@@ -14714,7 +14715,7 @@
         <p:spPr>
           <a:xfrm>
             <a:off x="0" y="4824360"/>
-            <a:ext cx="9142200" cy="317160"/>
+            <a:ext cx="9141840" cy="316800"/>
           </a:xfrm>
           <a:prstGeom prst="rect">
             <a:avLst/>
@@ -14742,7 +14743,7 @@
         <p:spPr>
           <a:xfrm>
             <a:off x="8714160" y="4897080"/>
-            <a:ext cx="190080" cy="190080"/>
+            <a:ext cx="189720" cy="189720"/>
           </a:xfrm>
           <a:prstGeom prst="ellipse">
             <a:avLst/>
@@ -14770,7 +14771,7 @@
                 <a:spcPct val="100000"/>
               </a:lnSpc>
             </a:pPr>
-            <a:fld id="{5F663E4D-EDD2-4389-B2DE-F95ED32E81FF}" type="slidenum">
+            <a:fld id="{1ABD112D-84DF-4457-80FC-DE095E63806B}" type="slidenum">
               <a:rPr b="0" lang="de-DE" sz="680" spc="-1" strike="noStrike">
                 <a:solidFill>
                   <a:srgbClr val="02d35f"/>
@@ -14799,7 +14800,7 @@
         <p:spPr>
           <a:xfrm>
             <a:off x="0" y="0"/>
-            <a:ext cx="9142200" cy="5141520"/>
+            <a:ext cx="9141840" cy="5141160"/>
           </a:xfrm>
           <a:prstGeom prst="rect">
             <a:avLst/>
@@ -14822,7 +14823,7 @@
         <p:spPr>
           <a:xfrm>
             <a:off x="7395120" y="486360"/>
-            <a:ext cx="875520" cy="531360"/>
+            <a:ext cx="875160" cy="531000"/>
           </a:xfrm>
           <a:prstGeom prst="rect">
             <a:avLst/>
@@ -15101,7 +15102,7 @@
         <p:spPr>
           <a:xfrm>
             <a:off x="0" y="4824360"/>
-            <a:ext cx="9142200" cy="317160"/>
+            <a:ext cx="9141840" cy="316800"/>
           </a:xfrm>
           <a:prstGeom prst="rect">
             <a:avLst/>
@@ -15129,7 +15130,7 @@
         <p:spPr>
           <a:xfrm>
             <a:off x="8714160" y="4897080"/>
-            <a:ext cx="190080" cy="190080"/>
+            <a:ext cx="189720" cy="189720"/>
           </a:xfrm>
           <a:prstGeom prst="ellipse">
             <a:avLst/>
@@ -15157,7 +15158,7 @@
                 <a:spcPct val="100000"/>
               </a:lnSpc>
             </a:pPr>
-            <a:fld id="{48C3BEDD-D697-498E-A7B7-389FFACDA766}" type="slidenum">
+            <a:fld id="{055510F9-874B-4E0B-A77B-1EDD2294FAE1}" type="slidenum">
               <a:rPr b="0" lang="de-DE" sz="680" spc="-1" strike="noStrike">
                 <a:solidFill>
                   <a:srgbClr val="02d35f"/>
@@ -15186,7 +15187,7 @@
         <p:spPr>
           <a:xfrm>
             <a:off x="0" y="0"/>
-            <a:ext cx="9142200" cy="5141880"/>
+            <a:ext cx="9141840" cy="5141520"/>
           </a:xfrm>
           <a:prstGeom prst="rect">
             <a:avLst/>
@@ -15205,7 +15206,7 @@
         <p:spPr>
           <a:xfrm>
             <a:off x="8714160" y="4897080"/>
-            <a:ext cx="190080" cy="190080"/>
+            <a:ext cx="189720" cy="189720"/>
           </a:xfrm>
           <a:prstGeom prst="ellipse">
             <a:avLst/>
@@ -15233,7 +15234,7 @@
                 <a:spcPct val="100000"/>
               </a:lnSpc>
             </a:pPr>
-            <a:fld id="{BF12197E-B385-4357-9894-F31C7FDBE183}" type="slidenum">
+            <a:fld id="{859B0D8E-68E8-4C61-874A-D9053943D00E}" type="slidenum">
               <a:rPr b="0" lang="de-DE" sz="680" spc="-1" strike="noStrike">
                 <a:solidFill>
                   <a:srgbClr val="02d35f"/>
@@ -15518,7 +15519,7 @@
         <p:spPr>
           <a:xfrm>
             <a:off x="0" y="4824360"/>
-            <a:ext cx="9142200" cy="317160"/>
+            <a:ext cx="9141840" cy="316800"/>
           </a:xfrm>
           <a:prstGeom prst="rect">
             <a:avLst/>
@@ -15546,7 +15547,7 @@
         <p:spPr>
           <a:xfrm>
             <a:off x="8714160" y="4897080"/>
-            <a:ext cx="190080" cy="190080"/>
+            <a:ext cx="189720" cy="189720"/>
           </a:xfrm>
           <a:prstGeom prst="ellipse">
             <a:avLst/>
@@ -15574,7 +15575,7 @@
                 <a:spcPct val="100000"/>
               </a:lnSpc>
             </a:pPr>
-            <a:fld id="{EADBB63B-24B0-49CF-A8E5-959681DB5963}" type="slidenum">
+            <a:fld id="{BE2B4038-C609-4934-941F-2B36A9E74201}" type="slidenum">
               <a:rPr b="0" lang="de-DE" sz="680" spc="-1" strike="noStrike">
                 <a:solidFill>
                   <a:srgbClr val="02d35f"/>
@@ -15603,7 +15604,7 @@
         <p:spPr>
           <a:xfrm>
             <a:off x="0" y="0"/>
-            <a:ext cx="9142200" cy="5141520"/>
+            <a:ext cx="9141840" cy="5141160"/>
           </a:xfrm>
           <a:prstGeom prst="rect">
             <a:avLst/>
@@ -15622,7 +15623,7 @@
         <p:spPr>
           <a:xfrm>
             <a:off x="8714160" y="4897080"/>
-            <a:ext cx="190080" cy="190080"/>
+            <a:ext cx="189720" cy="189720"/>
           </a:xfrm>
           <a:prstGeom prst="ellipse">
             <a:avLst/>
@@ -15650,7 +15651,7 @@
                 <a:spcPct val="100000"/>
               </a:lnSpc>
             </a:pPr>
-            <a:fld id="{C9B4F5C0-CAC0-475F-A539-BDFAD45E53DA}" type="slidenum">
+            <a:fld id="{1AB73CCA-CCAF-469D-B7B3-3027A4CD2971}" type="slidenum">
               <a:rPr b="0" lang="de-DE" sz="680" spc="-1" strike="noStrike">
                 <a:solidFill>
                   <a:srgbClr val="02d35f"/>
@@ -15936,7 +15937,7 @@
         <p:spPr>
           <a:xfrm>
             <a:off x="867960" y="1080360"/>
-            <a:ext cx="7402680" cy="1788840"/>
+            <a:ext cx="7402320" cy="1788480"/>
           </a:xfrm>
           <a:prstGeom prst="rect">
             <a:avLst/>
@@ -15987,7 +15988,7 @@
         <p:spPr>
           <a:xfrm>
             <a:off x="867960" y="2926800"/>
-            <a:ext cx="7402680" cy="788760"/>
+            <a:ext cx="7402320" cy="788400"/>
           </a:xfrm>
           <a:prstGeom prst="rect">
             <a:avLst/>
@@ -16068,7 +16069,7 @@
         <p:spPr>
           <a:xfrm>
             <a:off x="867960" y="4218840"/>
-            <a:ext cx="3252240" cy="680040"/>
+            <a:ext cx="3251880" cy="679680"/>
           </a:xfrm>
           <a:prstGeom prst="rect">
             <a:avLst/>
@@ -16205,7 +16206,7 @@
         <p:spPr>
           <a:xfrm>
             <a:off x="762120" y="1665000"/>
-            <a:ext cx="7618320" cy="1811880"/>
+            <a:ext cx="7617960" cy="1811520"/>
           </a:xfrm>
           <a:prstGeom prst="rect">
             <a:avLst/>
@@ -16286,7 +16287,7 @@
         <p:spPr>
           <a:xfrm>
             <a:off x="816120" y="849240"/>
-            <a:ext cx="7422840" cy="3244680"/>
+            <a:ext cx="7422480" cy="3244320"/>
           </a:xfrm>
           <a:prstGeom prst="rect">
             <a:avLst/>
@@ -16346,7 +16347,7 @@
         <p:spPr>
           <a:xfrm>
             <a:off x="874800" y="343080"/>
-            <a:ext cx="7964280" cy="583920"/>
+            <a:ext cx="7963920" cy="583560"/>
           </a:xfrm>
           <a:prstGeom prst="rect">
             <a:avLst/>
@@ -16397,7 +16398,7 @@
         <p:spPr>
           <a:xfrm>
             <a:off x="874800" y="937080"/>
-            <a:ext cx="7964280" cy="439920"/>
+            <a:ext cx="7963920" cy="439560"/>
           </a:xfrm>
           <a:prstGeom prst="rect">
             <a:avLst/>
@@ -16451,7 +16452,7 @@
         <p:spPr>
           <a:xfrm>
             <a:off x="874800" y="1428480"/>
-            <a:ext cx="7964280" cy="3182760"/>
+            <a:ext cx="7963920" cy="3182400"/>
           </a:xfrm>
           <a:prstGeom prst="rect">
             <a:avLst/>
@@ -16699,7 +16700,7 @@
         <p:spPr>
           <a:xfrm>
             <a:off x="874800" y="343080"/>
-            <a:ext cx="7964280" cy="583920"/>
+            <a:ext cx="7963920" cy="583560"/>
           </a:xfrm>
           <a:prstGeom prst="rect">
             <a:avLst/>
@@ -16725,7 +16726,7 @@
         <p:spPr>
           <a:xfrm>
             <a:off x="874800" y="937080"/>
-            <a:ext cx="7964280" cy="439920"/>
+            <a:ext cx="7963920" cy="439560"/>
           </a:xfrm>
           <a:prstGeom prst="rect">
             <a:avLst/>
@@ -16751,7 +16752,7 @@
         <p:spPr>
           <a:xfrm>
             <a:off x="874800" y="1428480"/>
-            <a:ext cx="7964280" cy="3182760"/>
+            <a:ext cx="7963920" cy="3182400"/>
           </a:xfrm>
           <a:prstGeom prst="rect">
             <a:avLst/>
@@ -16777,7 +16778,7 @@
         <p:spPr>
           <a:xfrm>
             <a:off x="457200" y="205200"/>
-            <a:ext cx="8228880" cy="858240"/>
+            <a:ext cx="8228520" cy="857880"/>
           </a:xfrm>
           <a:prstGeom prst="rect">
             <a:avLst/>
@@ -16805,7 +16806,11 @@
             </a:pPr>
             <a:r>
               <a:rPr b="0" lang="de-DE" sz="4400" spc="-1" strike="noStrike">
+                <a:solidFill>
+                  <a:srgbClr val="000000"/>
+                </a:solidFill>
                 <a:latin typeface="Arial"/>
+                <a:ea typeface="DejaVu Sans"/>
               </a:rPr>
               <a:t>Definition der KG</a:t>
             </a:r>
@@ -16824,7 +16829,7 @@
         <p:spPr>
           <a:xfrm>
             <a:off x="457560" y="1080000"/>
-            <a:ext cx="8614080" cy="1545840"/>
+            <a:ext cx="8613720" cy="1545480"/>
           </a:xfrm>
           <a:prstGeom prst="rect">
             <a:avLst/>
@@ -16845,7 +16850,7 @@
             <a:normAutofit/>
           </a:bodyPr>
           <a:p>
-            <a:pPr marL="432000" indent="-323640">
+            <a:pPr marL="432000" indent="-323280">
               <a:lnSpc>
                 <a:spcPct val="100000"/>
               </a:lnSpc>
@@ -16861,7 +16866,11 @@
             </a:pPr>
             <a:r>
               <a:rPr b="0" lang="de-DE" sz="3200" spc="-1" strike="noStrike">
+                <a:solidFill>
+                  <a:srgbClr val="000000"/>
+                </a:solidFill>
                 <a:latin typeface="Arial"/>
+                <a:ea typeface="DejaVu Sans"/>
               </a:rPr>
               <a:t>Die Abkürzung KG = Kommanditgesellschaft</a:t>
             </a:r>
@@ -16880,7 +16889,7 @@
         <p:spPr>
           <a:xfrm>
             <a:off x="457200" y="2321280"/>
-            <a:ext cx="8228880" cy="1350360"/>
+            <a:ext cx="8228520" cy="1350000"/>
           </a:xfrm>
           <a:prstGeom prst="rect">
             <a:avLst/>
@@ -16901,7 +16910,7 @@
             <a:normAutofit/>
           </a:bodyPr>
           <a:p>
-            <a:pPr marL="432000" indent="-323640">
+            <a:pPr marL="432000" indent="-323280">
               <a:lnSpc>
                 <a:spcPct val="100000"/>
               </a:lnSpc>
@@ -16917,7 +16926,11 @@
             </a:pPr>
             <a:r>
               <a:rPr b="0" lang="de-DE" sz="3200" spc="-1" strike="noStrike">
+                <a:solidFill>
+                  <a:srgbClr val="000000"/>
+                </a:solidFill>
                 <a:latin typeface="Arial"/>
+                <a:ea typeface="DejaVu Sans"/>
               </a:rPr>
               <a:t>Gewerbe  das auf Handel ausgerichtet ist</a:t>
             </a:r>
@@ -16926,7 +16939,7 @@
             </a:endParaRPr>
           </a:p>
           <a:p>
-            <a:pPr marL="432000" indent="-323640">
+            <a:pPr marL="432000" indent="-323280">
               <a:lnSpc>
                 <a:spcPct val="100000"/>
               </a:lnSpc>
@@ -16942,7 +16955,11 @@
             </a:pPr>
             <a:r>
               <a:rPr b="0" lang="de-DE" sz="3200" spc="-1" strike="noStrike">
+                <a:solidFill>
+                  <a:srgbClr val="000000"/>
+                </a:solidFill>
                 <a:latin typeface="Arial"/>
+                <a:ea typeface="DejaVu Sans"/>
               </a:rPr>
               <a:t>Mindestens zwei Personen</a:t>
             </a:r>
@@ -17271,7 +17288,7 @@
         <p:spPr>
           <a:xfrm>
             <a:off x="874800" y="343080"/>
-            <a:ext cx="7964280" cy="583920"/>
+            <a:ext cx="7963920" cy="583560"/>
           </a:xfrm>
           <a:prstGeom prst="rect">
             <a:avLst/>
@@ -17297,7 +17314,7 @@
         <p:spPr>
           <a:xfrm>
             <a:off x="874800" y="937080"/>
-            <a:ext cx="7964280" cy="439920"/>
+            <a:ext cx="7963920" cy="439560"/>
           </a:xfrm>
           <a:prstGeom prst="rect">
             <a:avLst/>
@@ -17323,7 +17340,7 @@
         <p:spPr>
           <a:xfrm>
             <a:off x="874800" y="1428480"/>
-            <a:ext cx="7964280" cy="3182760"/>
+            <a:ext cx="7963920" cy="3182400"/>
           </a:xfrm>
           <a:prstGeom prst="rect">
             <a:avLst/>
@@ -17349,7 +17366,7 @@
         <p:spPr>
           <a:xfrm>
             <a:off x="457200" y="205200"/>
-            <a:ext cx="8228880" cy="858240"/>
+            <a:ext cx="8228520" cy="857880"/>
           </a:xfrm>
           <a:prstGeom prst="rect">
             <a:avLst/>
@@ -17377,7 +17394,11 @@
             </a:pPr>
             <a:r>
               <a:rPr b="0" lang="de-DE" sz="4400" spc="-1" strike="noStrike">
+                <a:solidFill>
+                  <a:srgbClr val="000000"/>
+                </a:solidFill>
                 <a:latin typeface="Arial"/>
+                <a:ea typeface="DejaVu Sans"/>
               </a:rPr>
               <a:t>Die KG besteht aus:</a:t>
             </a:r>
@@ -17396,7 +17417,7 @@
         <p:spPr>
           <a:xfrm>
             <a:off x="288000" y="1224000"/>
-            <a:ext cx="8228880" cy="2982600"/>
+            <a:ext cx="8228520" cy="2982240"/>
           </a:xfrm>
           <a:prstGeom prst="rect">
             <a:avLst/>
@@ -17424,12 +17445,19 @@
             </a:pPr>
             <a:r>
               <a:rPr b="0" lang="de-DE" sz="3200" spc="-1" strike="noStrike">
+                <a:solidFill>
+                  <a:srgbClr val="000000"/>
+                </a:solidFill>
                 <a:latin typeface="Arial"/>
+                <a:ea typeface="DejaVu Sans"/>
               </a:rPr>
               <a:t>- </a:t>
             </a:r>
             <a:r>
               <a:rPr b="0" lang="de-DE" sz="3200" spc="-1" strike="noStrike">
+                <a:solidFill>
+                  <a:srgbClr val="000000"/>
+                </a:solidFill>
                 <a:latin typeface="Arial"/>
                 <a:ea typeface="Droid Sans Fallback"/>
               </a:rPr>
@@ -17447,10 +17475,13 @@
             </a:pPr>
             <a:r>
               <a:rPr b="0" lang="de-DE" sz="3200" spc="-1" strike="noStrike">
+                <a:solidFill>
+                  <a:srgbClr val="000000"/>
+                </a:solidFill>
                 <a:latin typeface="Arial"/>
                 <a:ea typeface="Droid Sans Fallback"/>
               </a:rPr>
-              <a:t>ist ein persönlich haftendem Gesellschafter</a:t>
+              <a:t>Ist ein persönlich haftender Gesellschafter</a:t>
             </a:r>
             <a:endParaRPr b="0" lang="de-DE" sz="3200" spc="-1" strike="noStrike">
               <a:latin typeface="Arial"/>
@@ -17474,6 +17505,9 @@
             </a:pPr>
             <a:r>
               <a:rPr b="0" lang="de-DE" sz="3200" spc="-1" strike="noStrike">
+                <a:solidFill>
+                  <a:srgbClr val="000000"/>
+                </a:solidFill>
                 <a:latin typeface="Arial"/>
                 <a:ea typeface="Droid Sans Fallback"/>
               </a:rPr>
@@ -17491,17 +17525,13 @@
             </a:pPr>
             <a:r>
               <a:rPr b="0" lang="de-DE" sz="3200" spc="-1" strike="noStrike">
+                <a:solidFill>
+                  <a:srgbClr val="000000"/>
+                </a:solidFill>
                 <a:latin typeface="Arial"/>
                 <a:ea typeface="Droid Sans Fallback"/>
               </a:rPr>
-              <a:t> </a:t>
-            </a:r>
-            <a:r>
-              <a:rPr b="0" lang="de-DE" sz="3200" spc="-1" strike="noStrike">
-                <a:latin typeface="Arial"/>
-                <a:ea typeface="Droid Sans Fallback"/>
-              </a:rPr>
-              <a:t>steuern nur einen gewissen Geldbetrag </a:t>
+              <a:t>Steuern nur einen gewissen Geldbetrag bei.</a:t>
             </a:r>
             <a:endParaRPr b="0" lang="de-DE" sz="3200" spc="-1" strike="noStrike">
               <a:latin typeface="Arial"/>
@@ -17877,7 +17907,7 @@
         <p:spPr>
           <a:xfrm>
             <a:off x="457200" y="9360"/>
-            <a:ext cx="8228880" cy="1249920"/>
+            <a:ext cx="8228520" cy="1249560"/>
           </a:xfrm>
           <a:prstGeom prst="rect">
             <a:avLst/>
@@ -17905,7 +17935,11 @@
             </a:pPr>
             <a:r>
               <a:rPr b="0" lang="de-DE" sz="4400" spc="-1" strike="noStrike">
+                <a:solidFill>
+                  <a:srgbClr val="000000"/>
+                </a:solidFill>
                 <a:latin typeface="Arial"/>
+                <a:ea typeface="DejaVu Sans"/>
               </a:rPr>
               <a:t>Wie kamm es zu unseren moderen KG?</a:t>
             </a:r>
@@ -17924,7 +17958,7 @@
         <p:spPr>
           <a:xfrm>
             <a:off x="288000" y="2461680"/>
-            <a:ext cx="8567640" cy="345960"/>
+            <a:ext cx="8567280" cy="345600"/>
           </a:xfrm>
           <a:prstGeom prst="rect">
             <a:avLst/>
@@ -17952,13 +17986,21 @@
             </a:pPr>
             <a:r>
               <a:rPr b="0" lang="de-DE" sz="1800" spc="-1" strike="noStrike">
+                <a:solidFill>
+                  <a:srgbClr val="000000"/>
+                </a:solidFill>
                 <a:latin typeface="Arial"/>
+                <a:ea typeface="DejaVu Sans"/>
               </a:rPr>
               <a:t>                                            </a:t>
             </a:r>
             <a:r>
               <a:rPr b="0" lang="de-DE" sz="1800" spc="-1" strike="noStrike">
+                <a:solidFill>
+                  <a:srgbClr val="000000"/>
+                </a:solidFill>
                 <a:latin typeface="Arial"/>
+                <a:ea typeface="DejaVu Sans"/>
               </a:rPr>
               <a:t>Mai 1072 in Venedig </a:t>
             </a:r>
@@ -18238,7 +18280,7 @@
         <p:spPr>
           <a:xfrm>
             <a:off x="874800" y="343080"/>
-            <a:ext cx="7964280" cy="583920"/>
+            <a:ext cx="7963920" cy="583560"/>
           </a:xfrm>
           <a:prstGeom prst="rect">
             <a:avLst/>
@@ -18264,7 +18306,7 @@
         <p:spPr>
           <a:xfrm>
             <a:off x="874800" y="1381680"/>
-            <a:ext cx="3895200" cy="3281400"/>
+            <a:ext cx="3894840" cy="3281040"/>
           </a:xfrm>
           <a:prstGeom prst="rect">
             <a:avLst/>
@@ -18290,7 +18332,7 @@
         <p:spPr>
           <a:xfrm>
             <a:off x="874800" y="990360"/>
-            <a:ext cx="3895200" cy="326880"/>
+            <a:ext cx="3894840" cy="326520"/>
           </a:xfrm>
           <a:prstGeom prst="rect">
             <a:avLst/>
@@ -18316,7 +18358,7 @@
         <p:spPr>
           <a:xfrm>
             <a:off x="4943520" y="1382400"/>
-            <a:ext cx="3898800" cy="3281400"/>
+            <a:ext cx="3898440" cy="3281040"/>
           </a:xfrm>
           <a:prstGeom prst="rect">
             <a:avLst/>
@@ -18342,7 +18384,7 @@
         <p:spPr>
           <a:xfrm>
             <a:off x="4943520" y="990360"/>
-            <a:ext cx="3898800" cy="326880"/>
+            <a:ext cx="3898440" cy="326520"/>
           </a:xfrm>
           <a:prstGeom prst="rect">
             <a:avLst/>
@@ -18372,7 +18414,7 @@
         <p:spPr>
           <a:xfrm>
             <a:off x="0" y="0"/>
-            <a:ext cx="9143640" cy="4823640"/>
+            <a:ext cx="9143280" cy="4823280"/>
           </a:xfrm>
           <a:prstGeom prst="rect">
             <a:avLst/>
@@ -18542,7 +18584,7 @@
         <p:spPr>
           <a:xfrm>
             <a:off x="457200" y="205200"/>
-            <a:ext cx="8228880" cy="858240"/>
+            <a:ext cx="8228520" cy="857880"/>
           </a:xfrm>
           <a:prstGeom prst="rect">
             <a:avLst/>
@@ -18570,7 +18612,11 @@
             </a:pPr>
             <a:r>
               <a:rPr b="0" lang="de-DE" sz="4400" spc="-1" strike="noStrike">
+                <a:solidFill>
+                  <a:srgbClr val="000000"/>
+                </a:solidFill>
                 <a:latin typeface="Arial"/>
+                <a:ea typeface="DejaVu Sans"/>
               </a:rPr>
               <a:t>Komturei</a:t>
             </a:r>
@@ -18589,7 +18635,7 @@
         <p:spPr>
           <a:xfrm>
             <a:off x="457200" y="1203480"/>
-            <a:ext cx="8228880" cy="2982600"/>
+            <a:ext cx="8228520" cy="2982240"/>
           </a:xfrm>
           <a:prstGeom prst="rect">
             <a:avLst/>
@@ -18607,10 +18653,10 @@
         </p:style>
         <p:txBody>
           <a:bodyPr lIns="0" rIns="0" tIns="0" bIns="0">
-            <a:normAutofit fontScale="42000"/>
-          </a:bodyPr>
-          <a:p>
-            <a:pPr marL="432000" indent="-323640">
+            <a:normAutofit fontScale="47000"/>
+          </a:bodyPr>
+          <a:p>
+            <a:pPr marL="432000" indent="-323280">
               <a:lnSpc>
                 <a:spcPct val="100000"/>
               </a:lnSpc>
@@ -18626,16 +18672,20 @@
             </a:pPr>
             <a:r>
               <a:rPr b="0" lang="de-DE" sz="3200" spc="-1" strike="noStrike">
+                <a:solidFill>
+                  <a:srgbClr val="000000"/>
+                </a:solidFill>
                 <a:latin typeface="Arial"/>
+                <a:ea typeface="DejaVu Sans"/>
               </a:rPr>
-              <a:t>Annerkannt im Jahr 1166 in Pisa und Floren</a:t>
+              <a:t>Anerkannt im Jahr 1166 in Pisa und Florenz</a:t>
             </a:r>
             <a:endParaRPr b="0" lang="de-DE" sz="3200" spc="-1" strike="noStrike">
               <a:latin typeface="Arial"/>
             </a:endParaRPr>
           </a:p>
           <a:p>
-            <a:pPr marL="432000" indent="-323640">
+            <a:pPr marL="432000" indent="-323280">
               <a:lnSpc>
                 <a:spcPct val="100000"/>
               </a:lnSpc>
@@ -18651,7 +18701,11 @@
             </a:pPr>
             <a:r>
               <a:rPr b="0" lang="de-DE" sz="3200" spc="-1" strike="noStrike">
+                <a:solidFill>
+                  <a:srgbClr val="000000"/>
+                </a:solidFill>
                 <a:latin typeface="Arial"/>
+                <a:ea typeface="DejaVu Sans"/>
               </a:rPr>
               <a:t>Mindestens zwei Kaufleute </a:t>
             </a:r>
@@ -18660,7 +18714,7 @@
             </a:endParaRPr>
           </a:p>
           <a:p>
-            <a:pPr marL="432000" indent="-323640">
+            <a:pPr marL="432000" indent="-323280">
               <a:lnSpc>
                 <a:spcPct val="100000"/>
               </a:lnSpc>
@@ -18676,16 +18730,20 @@
             </a:pPr>
             <a:r>
               <a:rPr b="0" lang="de-DE" sz="3200" spc="-1" strike="noStrike">
+                <a:solidFill>
+                  <a:srgbClr val="000000"/>
+                </a:solidFill>
                 <a:latin typeface="Arial"/>
+                <a:ea typeface="DejaVu Sans"/>
               </a:rPr>
-              <a:t>vereinigten ihr Kapital für den Zweck des Seehandels </a:t>
+              <a:t>Vereinigung des Kapitals für den Zweck des Seehandels </a:t>
             </a:r>
             <a:endParaRPr b="0" lang="de-DE" sz="3200" spc="-1" strike="noStrike">
               <a:latin typeface="Arial"/>
             </a:endParaRPr>
           </a:p>
           <a:p>
-            <a:pPr marL="432000" indent="-323640">
+            <a:pPr marL="432000" indent="-323280">
               <a:lnSpc>
                 <a:spcPct val="100000"/>
               </a:lnSpc>
@@ -18701,16 +18759,20 @@
             </a:pPr>
             <a:r>
               <a:rPr b="0" lang="de-DE" sz="3200" spc="-1" strike="noStrike">
+                <a:solidFill>
+                  <a:srgbClr val="000000"/>
+                </a:solidFill>
                 <a:latin typeface="Arial"/>
+                <a:ea typeface="DejaVu Sans"/>
               </a:rPr>
-              <a:t>Es entwikelten sich weitere Formen der Komturei</a:t>
+              <a:t>Entwicklung weiterer Formen der Komturei</a:t>
             </a:r>
             <a:endParaRPr b="0" lang="de-DE" sz="3200" spc="-1" strike="noStrike">
               <a:latin typeface="Arial"/>
             </a:endParaRPr>
           </a:p>
           <a:p>
-            <a:pPr marL="432000" indent="-323640">
+            <a:pPr marL="432000" indent="-323280">
               <a:lnSpc>
                 <a:spcPct val="100000"/>
               </a:lnSpc>
@@ -18726,28 +18788,26 @@
             </a:pPr>
             <a:r>
               <a:rPr b="0" lang="de-DE" sz="3200" spc="-1" strike="noStrike">
+                <a:solidFill>
+                  <a:srgbClr val="000000"/>
+                </a:solidFill>
                 <a:latin typeface="Arial"/>
+                <a:ea typeface="DejaVu Sans"/>
               </a:rPr>
-              <a:t>Es gibt viele Belege seit 1408 in Florenz für die verschieden Formen der KG. → Verbreitung im Mittelmeerraum</a:t>
+              <a:t>Es gibt viele Belege ab dem Jahr 1408 in Florenz für die verschieden Formen der KG. → Verbreitung im Mittelmeerraum</a:t>
             </a:r>
             <a:endParaRPr b="0" lang="de-DE" sz="3200" spc="-1" strike="noStrike">
               <a:latin typeface="Arial"/>
             </a:endParaRPr>
           </a:p>
           <a:p>
-            <a:pPr marL="432000" indent="-323640">
+            <a:pPr>
               <a:lnSpc>
                 <a:spcPct val="100000"/>
               </a:lnSpc>
               <a:spcBef>
                 <a:spcPts val="1417"/>
               </a:spcBef>
-              <a:buClr>
-                <a:srgbClr val="000000"/>
-              </a:buClr>
-              <a:buSzPct val="45000"/>
-              <a:buFont typeface="Wingdings" charset="2"/>
-              <a:buChar char=""/>
             </a:pPr>
             <a:endParaRPr b="0" lang="de-DE" sz="3200" spc="-1" strike="noStrike">
               <a:latin typeface="Arial"/>
@@ -19216,7 +19276,7 @@
         <p:spPr>
           <a:xfrm>
             <a:off x="457200" y="205200"/>
-            <a:ext cx="8228880" cy="858240"/>
+            <a:ext cx="8228520" cy="857880"/>
           </a:xfrm>
           <a:prstGeom prst="rect">
             <a:avLst/>
@@ -19244,7 +19304,11 @@
             </a:pPr>
             <a:r>
               <a:rPr b="0" lang="de-DE" sz="4400" spc="-1" strike="noStrike">
+                <a:solidFill>
+                  <a:srgbClr val="000000"/>
+                </a:solidFill>
                 <a:latin typeface="Arial"/>
+                <a:ea typeface="DejaVu Sans"/>
               </a:rPr>
               <a:t>März 1673</a:t>
             </a:r>
@@ -19263,7 +19327,7 @@
         <p:spPr>
           <a:xfrm>
             <a:off x="88200" y="1249200"/>
-            <a:ext cx="4015440" cy="2890800"/>
+            <a:ext cx="4015080" cy="2890440"/>
           </a:xfrm>
           <a:prstGeom prst="rect">
             <a:avLst/>
@@ -19289,7 +19353,7 @@
         <p:spPr>
           <a:xfrm>
             <a:off x="4032000" y="1152000"/>
-            <a:ext cx="4895640" cy="2982600"/>
+            <a:ext cx="4895280" cy="2982240"/>
           </a:xfrm>
           <a:prstGeom prst="rect">
             <a:avLst/>
@@ -19310,7 +19374,7 @@
             <a:normAutofit/>
           </a:bodyPr>
           <a:p>
-            <a:pPr marL="432000" indent="-323640">
+            <a:pPr marL="432000" indent="-323280">
               <a:lnSpc>
                 <a:spcPct val="100000"/>
               </a:lnSpc>
@@ -19326,7 +19390,11 @@
             </a:pPr>
             <a:r>
               <a:rPr b="0" lang="de-DE" sz="3200" spc="-1" strike="noStrike">
+                <a:solidFill>
+                  <a:srgbClr val="000000"/>
+                </a:solidFill>
                 <a:latin typeface="Arial"/>
+                <a:ea typeface="DejaVu Sans"/>
               </a:rPr>
               <a:t>Commenda als Kommanditgesellschaft</a:t>
             </a:r>
@@ -19335,7 +19403,7 @@
             </a:endParaRPr>
           </a:p>
           <a:p>
-            <a:pPr marL="432000" indent="-323640">
+            <a:pPr marL="432000" indent="-323280">
               <a:lnSpc>
                 <a:spcPct val="100000"/>
               </a:lnSpc>
@@ -19351,9 +19419,13 @@
             </a:pPr>
             <a:r>
               <a:rPr b="0" lang="de-DE" sz="3200" spc="-1" strike="noStrike">
+                <a:solidFill>
+                  <a:srgbClr val="000000"/>
+                </a:solidFill>
                 <a:latin typeface="Arial"/>
+                <a:ea typeface="DejaVu Sans"/>
               </a:rPr>
-              <a:t>1807 wurde die KG als Rechtsform angenommen.</a:t>
+              <a:t>1807 wurde die KG als Rechtsform aufgenommen.</a:t>
             </a:r>
             <a:endParaRPr b="0" lang="de-DE" sz="3200" spc="-1" strike="noStrike">
               <a:latin typeface="Arial"/>
@@ -19374,7 +19446,7 @@
         <p:spPr>
           <a:xfrm>
             <a:off x="79200" y="1296000"/>
-            <a:ext cx="4024440" cy="2663640"/>
+            <a:ext cx="4024080" cy="2663280"/>
           </a:xfrm>
           <a:prstGeom prst="rect">
             <a:avLst/>
@@ -19799,7 +19871,7 @@
         <p:spPr>
           <a:xfrm>
             <a:off x="457200" y="205200"/>
-            <a:ext cx="8228880" cy="858240"/>
+            <a:ext cx="8228520" cy="857880"/>
           </a:xfrm>
           <a:prstGeom prst="rect">
             <a:avLst/>
@@ -19827,7 +19899,11 @@
             </a:pPr>
             <a:r>
               <a:rPr b="0" lang="de-DE" sz="4400" spc="-1" strike="noStrike">
+                <a:solidFill>
+                  <a:srgbClr val="000000"/>
+                </a:solidFill>
                 <a:latin typeface="Arial"/>
+                <a:ea typeface="DejaVu Sans"/>
               </a:rPr>
               <a:t>Mai 1861 </a:t>
             </a:r>
@@ -19850,7 +19926,7 @@
         <p:spPr>
           <a:xfrm>
             <a:off x="5256000" y="1211040"/>
-            <a:ext cx="3871440" cy="2916720"/>
+            <a:ext cx="3871080" cy="2916360"/>
           </a:xfrm>
           <a:prstGeom prst="rect">
             <a:avLst/>
@@ -19869,7 +19945,7 @@
         <p:spPr>
           <a:xfrm>
             <a:off x="376200" y="1193040"/>
-            <a:ext cx="4735440" cy="2982600"/>
+            <a:ext cx="4735080" cy="2982240"/>
           </a:xfrm>
           <a:prstGeom prst="rect">
             <a:avLst/>
@@ -19890,7 +19966,7 @@
             <a:normAutofit/>
           </a:bodyPr>
           <a:p>
-            <a:pPr marL="432000" indent="-323640">
+            <a:pPr marL="432000" indent="-323280">
               <a:lnSpc>
                 <a:spcPct val="100000"/>
               </a:lnSpc>
@@ -19906,7 +19982,11 @@
             </a:pPr>
             <a:r>
               <a:rPr b="0" lang="de-DE" sz="3200" spc="-1" strike="noStrike">
+                <a:solidFill>
+                  <a:srgbClr val="000000"/>
+                </a:solidFill>
                 <a:latin typeface="Arial"/>
+                <a:ea typeface="DejaVu Sans"/>
               </a:rPr>
               <a:t>Kommanditgesellschaft wird in das Allgemeines Deutsches Handelsgesetzbuch aufgenommen. </a:t>
             </a:r>
@@ -19918,14 +19998,14 @@
       </p:sp>
       <p:sp>
         <p:nvSpPr>
-          <p:cNvPr id="404" name="TextShape 3"/>
-          <p:cNvSpPr txBox="1"/>
+          <p:cNvPr id="404" name="CustomShape 3"/>
+          <p:cNvSpPr/>
           <p:nvPr/>
         </p:nvSpPr>
         <p:spPr>
           <a:xfrm>
             <a:off x="360000" y="4248000"/>
-            <a:ext cx="8640000" cy="346320"/>
+            <a:ext cx="8639640" cy="345960"/>
           </a:xfrm>
           <a:prstGeom prst="rect">
             <a:avLst/>
@@ -19935,19 +20015,29 @@
             <a:noFill/>
           </a:ln>
         </p:spPr>
+        <p:style>
+          <a:lnRef idx="0"/>
+          <a:fillRef idx="0"/>
+          <a:effectRef idx="0"/>
+          <a:fontRef idx="minor"/>
+        </p:style>
         <p:txBody>
           <a:bodyPr lIns="90000" rIns="90000" tIns="45000" bIns="45000">
             <a:noAutofit/>
           </a:bodyPr>
           <a:p>
-            <a:pPr algn="ctr"/>
+            <a:pPr algn="ctr">
+              <a:lnSpc>
+                <a:spcPct val="100000"/>
+              </a:lnSpc>
+            </a:pPr>
             <a:r>
               <a:rPr b="1" lang="de-DE" sz="1800" spc="-1" strike="noStrike">
                 <a:latin typeface="Arial"/>
               </a:rPr>
               <a:t>Und wie läuft es heute ab? </a:t>
             </a:r>
-            <a:endParaRPr b="1" lang="de-DE" sz="1800" spc="-1" strike="noStrike">
+            <a:endParaRPr b="0" lang="de-DE" sz="1800" spc="-1" strike="noStrike">
               <a:latin typeface="Arial"/>
             </a:endParaRPr>
           </a:p>
